--- a/Payment_NYC_Taxi_Analyst.pptx
+++ b/Payment_NYC_Taxi_Analyst.pptx
@@ -7282,6 +7282,41 @@
           <a:chExt cx="0" cy="0"/>
         </a:xfrm>
       </p:grpSpPr>
+      <p:pic>
+        <p:nvPicPr>
+          <p:cNvPr id="5" name="slide2" descr="Total Profit">
+            <a:extLst>
+              <a:ext uri="{FF2B5EF4-FFF2-40B4-BE49-F238E27FC236}">
+                <a16:creationId xmlns:a16="http://schemas.microsoft.com/office/drawing/2014/main" id="{F132354B-900E-493F-8E8C-B3F2FB29AA12}"/>
+              </a:ext>
+            </a:extLst>
+          </p:cNvPr>
+          <p:cNvPicPr>
+            <a:picLocks noChangeAspect="1"/>
+          </p:cNvPicPr>
+          <p:nvPr/>
+        </p:nvPicPr>
+        <p:blipFill rotWithShape="1">
+          <a:blip r:embed="rId3">
+            <a:extLst>
+              <a:ext uri="{28A0092B-C50C-407E-A947-70E740481C1C}">
+                <a14:useLocalDpi xmlns:a14="http://schemas.microsoft.com/office/drawing/2010/main" val="0"/>
+              </a:ext>
+            </a:extLst>
+          </a:blip>
+          <a:srcRect r="14875"/>
+          <a:stretch/>
+        </p:blipFill>
+        <p:spPr>
+          <a:xfrm>
+            <a:off x="1039688" y="10887"/>
+            <a:ext cx="6906783" cy="3363882"/>
+          </a:xfrm>
+          <a:prstGeom prst="rect">
+            <a:avLst/>
+          </a:prstGeom>
+        </p:spPr>
+      </p:pic>
       <p:sp>
         <p:nvSpPr>
           <p:cNvPr id="141" name="Google Shape;141;p20"/>
@@ -8318,41 +8353,6 @@
           </a:p>
         </p:txBody>
       </p:sp>
-      <p:pic>
-        <p:nvPicPr>
-          <p:cNvPr id="10" name="slide2" descr="Total Profit">
-            <a:extLst>
-              <a:ext uri="{FF2B5EF4-FFF2-40B4-BE49-F238E27FC236}">
-                <a16:creationId xmlns:a16="http://schemas.microsoft.com/office/drawing/2014/main" id="{15683F38-15CC-4FBF-967E-62CC678357CE}"/>
-              </a:ext>
-            </a:extLst>
-          </p:cNvPr>
-          <p:cNvPicPr>
-            <a:picLocks noChangeAspect="1"/>
-          </p:cNvPicPr>
-          <p:nvPr/>
-        </p:nvPicPr>
-        <p:blipFill rotWithShape="1">
-          <a:blip r:embed="rId3">
-            <a:extLst>
-              <a:ext uri="{28A0092B-C50C-407E-A947-70E740481C1C}">
-                <a14:useLocalDpi xmlns:a14="http://schemas.microsoft.com/office/drawing/2010/main" val="0"/>
-              </a:ext>
-            </a:extLst>
-          </a:blip>
-          <a:srcRect r="16137"/>
-          <a:stretch/>
-        </p:blipFill>
-        <p:spPr>
-          <a:xfrm>
-            <a:off x="1091273" y="76586"/>
-            <a:ext cx="6656353" cy="3212523"/>
-          </a:xfrm>
-          <a:prstGeom prst="rect">
-            <a:avLst/>
-          </a:prstGeom>
-        </p:spPr>
-      </p:pic>
       <p:grpSp>
         <p:nvGrpSpPr>
           <p:cNvPr id="28" name="Group 27">
@@ -8367,7 +8367,7 @@
         </p:nvGrpSpPr>
         <p:grpSpPr>
           <a:xfrm>
-            <a:off x="600299" y="248129"/>
+            <a:off x="467234" y="300126"/>
             <a:ext cx="477718" cy="2785403"/>
             <a:chOff x="531380" y="456746"/>
             <a:chExt cx="477718" cy="2785403"/>
@@ -8476,7 +8476,7 @@
         </p:nvGrpSpPr>
         <p:grpSpPr>
           <a:xfrm>
-            <a:off x="2116624" y="3289109"/>
+            <a:off x="2123824" y="3374769"/>
             <a:ext cx="5722442" cy="307777"/>
             <a:chOff x="2110156" y="3460652"/>
             <a:chExt cx="5722442" cy="307777"/>
@@ -8709,7 +8709,7 @@
         </p:nvSpPr>
         <p:spPr>
           <a:xfrm>
-            <a:off x="921333" y="1779169"/>
+            <a:off x="825143" y="1786528"/>
             <a:ext cx="913531" cy="330983"/>
           </a:xfrm>
           <a:prstGeom prst="rect">
@@ -8771,7 +8771,7 @@
         </p:nvSpPr>
         <p:spPr>
           <a:xfrm>
-            <a:off x="921332" y="485613"/>
+            <a:off x="871748" y="529271"/>
             <a:ext cx="913531" cy="330983"/>
           </a:xfrm>
           <a:prstGeom prst="rect">
@@ -8844,6 +8844,36 @@
           <a:chExt cx="0" cy="0"/>
         </a:xfrm>
       </p:grpSpPr>
+      <p:pic>
+        <p:nvPicPr>
+          <p:cNvPr id="4" name="Picture 3">
+            <a:extLst>
+              <a:ext uri="{FF2B5EF4-FFF2-40B4-BE49-F238E27FC236}">
+                <a16:creationId xmlns:a16="http://schemas.microsoft.com/office/drawing/2014/main" id="{A828AC7B-AD16-163D-C0BC-546BEC874DE8}"/>
+              </a:ext>
+            </a:extLst>
+          </p:cNvPr>
+          <p:cNvPicPr>
+            <a:picLocks noChangeAspect="1"/>
+          </p:cNvPicPr>
+          <p:nvPr/>
+        </p:nvPicPr>
+        <p:blipFill>
+          <a:blip r:embed="rId2"/>
+          <a:stretch>
+            <a:fillRect/>
+          </a:stretch>
+        </p:blipFill>
+        <p:spPr>
+          <a:xfrm>
+            <a:off x="1324564" y="-6271"/>
+            <a:ext cx="6325007" cy="3600566"/>
+          </a:xfrm>
+          <a:prstGeom prst="rect">
+            <a:avLst/>
+          </a:prstGeom>
+        </p:spPr>
+      </p:pic>
       <p:sp>
         <p:nvSpPr>
           <p:cNvPr id="5" name="Slide Number Placeholder 4">
@@ -9930,36 +9960,6 @@
           </a:p>
         </p:txBody>
       </p:sp>
-      <p:pic>
-        <p:nvPicPr>
-          <p:cNvPr id="9" name="Picture 8">
-            <a:extLst>
-              <a:ext uri="{FF2B5EF4-FFF2-40B4-BE49-F238E27FC236}">
-                <a16:creationId xmlns:a16="http://schemas.microsoft.com/office/drawing/2014/main" id="{9A29A7EA-F625-DC08-2FEB-402CE3D91B6F}"/>
-              </a:ext>
-            </a:extLst>
-          </p:cNvPr>
-          <p:cNvPicPr>
-            <a:picLocks noChangeAspect="1"/>
-          </p:cNvPicPr>
-          <p:nvPr/>
-        </p:nvPicPr>
-        <p:blipFill>
-          <a:blip r:embed="rId2"/>
-          <a:stretch>
-            <a:fillRect/>
-          </a:stretch>
-        </p:blipFill>
-        <p:spPr>
-          <a:xfrm>
-            <a:off x="960513" y="-11569"/>
-            <a:ext cx="6973512" cy="3509889"/>
-          </a:xfrm>
-          <a:prstGeom prst="rect">
-            <a:avLst/>
-          </a:prstGeom>
-        </p:spPr>
-      </p:pic>
       <p:grpSp>
         <p:nvGrpSpPr>
           <p:cNvPr id="10" name="Group 9">
@@ -9974,7 +9974,7 @@
         </p:nvGrpSpPr>
         <p:grpSpPr>
           <a:xfrm>
-            <a:off x="430358" y="408356"/>
+            <a:off x="590663" y="429221"/>
             <a:ext cx="477718" cy="3101533"/>
             <a:chOff x="531380" y="456746"/>
             <a:chExt cx="477718" cy="2785403"/>
@@ -10083,7 +10083,7 @@
         </p:nvGrpSpPr>
         <p:grpSpPr>
           <a:xfrm>
-            <a:off x="1169115" y="3594295"/>
+            <a:off x="1192458" y="3648576"/>
             <a:ext cx="6589218" cy="307777"/>
             <a:chOff x="2110156" y="3460652"/>
             <a:chExt cx="5722442" cy="307777"/>
@@ -11040,6 +11040,41 @@
           <a:chExt cx="0" cy="0"/>
         </a:xfrm>
       </p:grpSpPr>
+      <p:pic>
+        <p:nvPicPr>
+          <p:cNvPr id="2" name="slide3" descr="Revenue per Vendor (RateCode)">
+            <a:extLst>
+              <a:ext uri="{FF2B5EF4-FFF2-40B4-BE49-F238E27FC236}">
+                <a16:creationId xmlns:a16="http://schemas.microsoft.com/office/drawing/2014/main" id="{E07D2C9A-FB26-42DF-876B-31130B113A7E}"/>
+              </a:ext>
+            </a:extLst>
+          </p:cNvPr>
+          <p:cNvPicPr>
+            <a:picLocks noChangeAspect="1"/>
+          </p:cNvPicPr>
+          <p:nvPr/>
+        </p:nvPicPr>
+        <p:blipFill rotWithShape="1">
+          <a:blip r:embed="rId2">
+            <a:extLst>
+              <a:ext uri="{28A0092B-C50C-407E-A947-70E740481C1C}">
+                <a14:useLocalDpi xmlns:a14="http://schemas.microsoft.com/office/drawing/2010/main" val="0"/>
+              </a:ext>
+            </a:extLst>
+          </a:blip>
+          <a:srcRect r="15071"/>
+          <a:stretch/>
+        </p:blipFill>
+        <p:spPr>
+          <a:xfrm>
+            <a:off x="667798" y="34375"/>
+            <a:ext cx="7440399" cy="3660105"/>
+          </a:xfrm>
+          <a:prstGeom prst="rect">
+            <a:avLst/>
+          </a:prstGeom>
+        </p:spPr>
+      </p:pic>
       <p:sp>
         <p:nvSpPr>
           <p:cNvPr id="5" name="Slide Number Placeholder 4">
@@ -12126,41 +12161,6 @@
           </a:p>
         </p:txBody>
       </p:sp>
-      <p:pic>
-        <p:nvPicPr>
-          <p:cNvPr id="8" name="slide3" descr="Revenue per Vendor (RateCode)">
-            <a:extLst>
-              <a:ext uri="{FF2B5EF4-FFF2-40B4-BE49-F238E27FC236}">
-                <a16:creationId xmlns:a16="http://schemas.microsoft.com/office/drawing/2014/main" id="{8D194EA4-769E-F47D-5E82-30DD19586652}"/>
-              </a:ext>
-            </a:extLst>
-          </p:cNvPr>
-          <p:cNvPicPr>
-            <a:picLocks noChangeAspect="1"/>
-          </p:cNvPicPr>
-          <p:nvPr/>
-        </p:nvPicPr>
-        <p:blipFill rotWithShape="1">
-          <a:blip r:embed="rId2">
-            <a:extLst>
-              <a:ext uri="{28A0092B-C50C-407E-A947-70E740481C1C}">
-                <a14:useLocalDpi xmlns:a14="http://schemas.microsoft.com/office/drawing/2010/main" val="0"/>
-              </a:ext>
-            </a:extLst>
-          </a:blip>
-          <a:srcRect r="15089"/>
-          <a:stretch/>
-        </p:blipFill>
-        <p:spPr>
-          <a:xfrm>
-            <a:off x="775027" y="0"/>
-            <a:ext cx="7222457" cy="3606804"/>
-          </a:xfrm>
-          <a:prstGeom prst="rect">
-            <a:avLst/>
-          </a:prstGeom>
-        </p:spPr>
-      </p:pic>
       <p:sp>
         <p:nvSpPr>
           <p:cNvPr id="9" name="Rectangle 8">
@@ -12175,7 +12175,7 @@
         </p:nvSpPr>
         <p:spPr>
           <a:xfrm>
-            <a:off x="2435468" y="189520"/>
+            <a:off x="2016199" y="438163"/>
             <a:ext cx="1037493" cy="330983"/>
           </a:xfrm>
           <a:prstGeom prst="rect">
@@ -12243,7 +12243,7 @@
         </p:nvSpPr>
         <p:spPr>
           <a:xfrm>
-            <a:off x="5671041" y="189520"/>
+            <a:off x="5539191" y="499650"/>
             <a:ext cx="1428246" cy="330983"/>
           </a:xfrm>
           <a:prstGeom prst="rect">
@@ -12311,7 +12311,7 @@
         </p:nvGrpSpPr>
         <p:grpSpPr>
           <a:xfrm>
-            <a:off x="430358" y="408356"/>
+            <a:off x="260417" y="438163"/>
             <a:ext cx="477718" cy="3101533"/>
             <a:chOff x="531380" y="456746"/>
             <a:chExt cx="477718" cy="2785403"/>
@@ -12420,7 +12420,7 @@
         </p:nvGrpSpPr>
         <p:grpSpPr>
           <a:xfrm>
-            <a:off x="1200912" y="3594295"/>
+            <a:off x="1173714" y="3767949"/>
             <a:ext cx="6796571" cy="307777"/>
             <a:chOff x="2110156" y="3460652"/>
             <a:chExt cx="5722442" cy="307777"/>
@@ -13864,8 +13864,8 @@
         </p:nvSpPr>
         <p:spPr>
           <a:xfrm>
-            <a:off x="3348110" y="189520"/>
-            <a:ext cx="2316481" cy="307777"/>
+            <a:off x="1543528" y="72619"/>
+            <a:ext cx="6534555" cy="523220"/>
           </a:xfrm>
           <a:prstGeom prst="rect">
             <a:avLst/>
@@ -13882,10 +13882,35 @@
           <a:p>
             <a:pPr algn="ctr"/>
             <a:r>
-              <a:rPr lang="en-US" b="1" dirty="0"/>
-              <a:t>OPEARATIONAL TAXI</a:t>
+              <a:rPr lang="en-US" b="1" dirty="0">
+                <a:solidFill>
+                  <a:srgbClr val="000000"/>
+                </a:solidFill>
+                <a:effectLst/>
+                <a:latin typeface="+mj-lt"/>
+              </a:rPr>
+              <a:t>Operational Cabs Yellow Taxis</a:t>
             </a:r>
-            <a:endParaRPr lang="en-ID" b="1" dirty="0"/>
+            <a:endParaRPr lang="en-US" sz="1100" dirty="0">
+              <a:effectLst/>
+              <a:latin typeface="+mj-lt"/>
+            </a:endParaRPr>
+          </a:p>
+          <a:p>
+            <a:pPr algn="ctr"/>
+            <a:r>
+              <a:rPr lang="en-US" b="1" dirty="0">
+                <a:solidFill>
+                  <a:srgbClr val="333333"/>
+                </a:solidFill>
+                <a:effectLst/>
+                <a:latin typeface="+mj-lt"/>
+              </a:rPr>
+              <a:t>(VeriFone Inc and Creative Mobile Technologies, LLC (January 2023))</a:t>
+            </a:r>
+            <a:endParaRPr lang="en-ID" sz="1100" b="1" dirty="0">
+              <a:latin typeface="+mj-lt"/>
+            </a:endParaRPr>
           </a:p>
         </p:txBody>
       </p:sp>
@@ -15405,8 +15430,8 @@
         </p:nvSpPr>
         <p:spPr>
           <a:xfrm>
-            <a:off x="2349304" y="117789"/>
-            <a:ext cx="4445391" cy="369332"/>
+            <a:off x="1446959" y="40845"/>
+            <a:ext cx="6250081" cy="523220"/>
           </a:xfrm>
           <a:prstGeom prst="rect">
             <a:avLst/>
@@ -15423,16 +15448,33 @@
           <a:p>
             <a:pPr algn="ctr"/>
             <a:r>
-              <a:rPr lang="en-ID" sz="1800" b="1" dirty="0">
+              <a:rPr lang="en-US" b="1" dirty="0">
                 <a:solidFill>
                   <a:srgbClr val="000000"/>
                 </a:solidFill>
                 <a:effectLst/>
                 <a:latin typeface="+mj-lt"/>
               </a:rPr>
-              <a:t>PAYMENT TYPE BASED RATECODEID</a:t>
+              <a:t>Payment Type Based RatecodeID Yellow Taxis</a:t>
             </a:r>
-            <a:endParaRPr lang="en-ID" dirty="0">
+            <a:endParaRPr lang="en-US" sz="1100" dirty="0">
+              <a:effectLst/>
+              <a:latin typeface="+mj-lt"/>
+            </a:endParaRPr>
+          </a:p>
+          <a:p>
+            <a:pPr algn="ctr"/>
+            <a:r>
+              <a:rPr lang="en-US" b="1" dirty="0">
+                <a:solidFill>
+                  <a:srgbClr val="333333"/>
+                </a:solidFill>
+                <a:effectLst/>
+                <a:latin typeface="+mj-lt"/>
+              </a:rPr>
+              <a:t>(VeriFone Inc and Creative Mobile Technologies, LLC (January 2023))</a:t>
+            </a:r>
+            <a:endParaRPr lang="en-ID" sz="1100" dirty="0">
               <a:latin typeface="+mj-lt"/>
             </a:endParaRPr>
           </a:p>
@@ -21386,7 +21428,19 @@
               <a:rPr lang="en-US" dirty="0">
                 <a:latin typeface="Arial Rounded MT Bold" panose="020F0704030504030204" pitchFamily="34" charset="0"/>
               </a:rPr>
-              <a:t>Identify any factors what could bring / attract people to use their system as primary choice.</a:t>
+              <a:t>Identify any factors what could bring / attract people to use their system as </a:t>
+            </a:r>
+            <a:r>
+              <a:rPr lang="en-US">
+                <a:latin typeface="Arial Rounded MT Bold" panose="020F0704030504030204" pitchFamily="34" charset="0"/>
+              </a:rPr>
+              <a:t>primary payment </a:t>
+            </a:r>
+            <a:r>
+              <a:rPr lang="en-US" dirty="0">
+                <a:latin typeface="Arial Rounded MT Bold" panose="020F0704030504030204" pitchFamily="34" charset="0"/>
+              </a:rPr>
+              <a:t>choice.</a:t>
             </a:r>
           </a:p>
           <a:p>

--- a/Payment_NYC_Taxi_Analyst.pptx
+++ b/Payment_NYC_Taxi_Analyst.pptx
@@ -11042,10 +11042,10 @@
       </p:grpSpPr>
       <p:pic>
         <p:nvPicPr>
-          <p:cNvPr id="2" name="slide3" descr="Revenue per Vendor (RateCode)">
+          <p:cNvPr id="3" name="slide2" descr="Revenue per Vendor (RateCode)">
             <a:extLst>
               <a:ext uri="{FF2B5EF4-FFF2-40B4-BE49-F238E27FC236}">
-                <a16:creationId xmlns:a16="http://schemas.microsoft.com/office/drawing/2014/main" id="{E07D2C9A-FB26-42DF-876B-31130B113A7E}"/>
+                <a16:creationId xmlns:a16="http://schemas.microsoft.com/office/drawing/2014/main" id="{AD20A21C-95F2-4BE0-8BDD-7CC9D7FBE4FF}"/>
               </a:ext>
             </a:extLst>
           </p:cNvPr>
@@ -11062,13 +11062,13 @@
               </a:ext>
             </a:extLst>
           </a:blip>
-          <a:srcRect r="15071"/>
+          <a:srcRect r="14558"/>
           <a:stretch/>
         </p:blipFill>
         <p:spPr>
           <a:xfrm>
-            <a:off x="667798" y="34375"/>
-            <a:ext cx="7440399" cy="3660105"/>
+            <a:off x="711776" y="48450"/>
+            <a:ext cx="7392666" cy="3635565"/>
           </a:xfrm>
           <a:prstGeom prst="rect">
             <a:avLst/>
@@ -12175,7 +12175,7 @@
         </p:nvSpPr>
         <p:spPr>
           <a:xfrm>
-            <a:off x="2016199" y="438163"/>
+            <a:off x="2276451" y="467970"/>
             <a:ext cx="1037493" cy="330983"/>
           </a:xfrm>
           <a:prstGeom prst="rect">
@@ -12311,7 +12311,7 @@
         </p:nvGrpSpPr>
         <p:grpSpPr>
           <a:xfrm>
-            <a:off x="260417" y="438163"/>
+            <a:off x="354103" y="467970"/>
             <a:ext cx="477718" cy="3101533"/>
             <a:chOff x="531380" y="456746"/>
             <a:chExt cx="477718" cy="2785403"/>
@@ -12364,7 +12364,7 @@
             <a:lstStyle/>
             <a:p>
               <a:pPr algn="ctr"/>
-              <a:endParaRPr lang="en-ID"/>
+              <a:endParaRPr lang="en-ID" dirty="0"/>
             </a:p>
           </p:txBody>
         </p:sp>
@@ -12420,8 +12420,8 @@
         </p:nvGrpSpPr>
         <p:grpSpPr>
           <a:xfrm>
-            <a:off x="1173714" y="3767949"/>
-            <a:ext cx="6796571" cy="307777"/>
+            <a:off x="1173714" y="3713161"/>
+            <a:ext cx="6904369" cy="307777"/>
             <a:chOff x="2110156" y="3460652"/>
             <a:chExt cx="5722442" cy="307777"/>
           </a:xfrm>
